--- a/Network/IPSEC.pptx
+++ b/Network/IPSEC.pptx
@@ -20,6 +20,9 @@
     <p:sldId id="268" r:id="rId14"/>
     <p:sldId id="257" r:id="rId15"/>
     <p:sldId id="263" r:id="rId16"/>
+    <p:sldId id="271" r:id="rId17"/>
+    <p:sldId id="272" r:id="rId18"/>
+    <p:sldId id="273" r:id="rId19"/>
   </p:sldIdLst>
   <p:sldSz cx="12192000" cy="6858000"/>
   <p:notesSz cx="6858000" cy="9144000"/>
@@ -257,7 +260,7 @@
           <a:p>
             <a:fld id="{49B2134D-23AA-4A81-B917-18AD91DBBB07}" type="datetimeFigureOut">
               <a:rPr lang="tr-TR" smtClean="0"/>
-              <a:t>24.10.2022</a:t>
+              <a:t>25.10.2022</a:t>
             </a:fld>
             <a:endParaRPr lang="tr-TR"/>
           </a:p>
@@ -427,7 +430,7 @@
           <a:p>
             <a:fld id="{49B2134D-23AA-4A81-B917-18AD91DBBB07}" type="datetimeFigureOut">
               <a:rPr lang="tr-TR" smtClean="0"/>
-              <a:t>24.10.2022</a:t>
+              <a:t>25.10.2022</a:t>
             </a:fld>
             <a:endParaRPr lang="tr-TR"/>
           </a:p>
@@ -607,7 +610,7 @@
           <a:p>
             <a:fld id="{49B2134D-23AA-4A81-B917-18AD91DBBB07}" type="datetimeFigureOut">
               <a:rPr lang="tr-TR" smtClean="0"/>
-              <a:t>24.10.2022</a:t>
+              <a:t>25.10.2022</a:t>
             </a:fld>
             <a:endParaRPr lang="tr-TR"/>
           </a:p>
@@ -777,7 +780,7 @@
           <a:p>
             <a:fld id="{49B2134D-23AA-4A81-B917-18AD91DBBB07}" type="datetimeFigureOut">
               <a:rPr lang="tr-TR" smtClean="0"/>
-              <a:t>24.10.2022</a:t>
+              <a:t>25.10.2022</a:t>
             </a:fld>
             <a:endParaRPr lang="tr-TR"/>
           </a:p>
@@ -1023,7 +1026,7 @@
           <a:p>
             <a:fld id="{49B2134D-23AA-4A81-B917-18AD91DBBB07}" type="datetimeFigureOut">
               <a:rPr lang="tr-TR" smtClean="0"/>
-              <a:t>24.10.2022</a:t>
+              <a:t>25.10.2022</a:t>
             </a:fld>
             <a:endParaRPr lang="tr-TR"/>
           </a:p>
@@ -1255,7 +1258,7 @@
           <a:p>
             <a:fld id="{49B2134D-23AA-4A81-B917-18AD91DBBB07}" type="datetimeFigureOut">
               <a:rPr lang="tr-TR" smtClean="0"/>
-              <a:t>24.10.2022</a:t>
+              <a:t>25.10.2022</a:t>
             </a:fld>
             <a:endParaRPr lang="tr-TR"/>
           </a:p>
@@ -1622,7 +1625,7 @@
           <a:p>
             <a:fld id="{49B2134D-23AA-4A81-B917-18AD91DBBB07}" type="datetimeFigureOut">
               <a:rPr lang="tr-TR" smtClean="0"/>
-              <a:t>24.10.2022</a:t>
+              <a:t>25.10.2022</a:t>
             </a:fld>
             <a:endParaRPr lang="tr-TR"/>
           </a:p>
@@ -1740,7 +1743,7 @@
           <a:p>
             <a:fld id="{49B2134D-23AA-4A81-B917-18AD91DBBB07}" type="datetimeFigureOut">
               <a:rPr lang="tr-TR" smtClean="0"/>
-              <a:t>24.10.2022</a:t>
+              <a:t>25.10.2022</a:t>
             </a:fld>
             <a:endParaRPr lang="tr-TR"/>
           </a:p>
@@ -1835,7 +1838,7 @@
           <a:p>
             <a:fld id="{49B2134D-23AA-4A81-B917-18AD91DBBB07}" type="datetimeFigureOut">
               <a:rPr lang="tr-TR" smtClean="0"/>
-              <a:t>24.10.2022</a:t>
+              <a:t>25.10.2022</a:t>
             </a:fld>
             <a:endParaRPr lang="tr-TR"/>
           </a:p>
@@ -2112,7 +2115,7 @@
           <a:p>
             <a:fld id="{49B2134D-23AA-4A81-B917-18AD91DBBB07}" type="datetimeFigureOut">
               <a:rPr lang="tr-TR" smtClean="0"/>
-              <a:t>24.10.2022</a:t>
+              <a:t>25.10.2022</a:t>
             </a:fld>
             <a:endParaRPr lang="tr-TR"/>
           </a:p>
@@ -2365,7 +2368,7 @@
           <a:p>
             <a:fld id="{49B2134D-23AA-4A81-B917-18AD91DBBB07}" type="datetimeFigureOut">
               <a:rPr lang="tr-TR" smtClean="0"/>
-              <a:t>24.10.2022</a:t>
+              <a:t>25.10.2022</a:t>
             </a:fld>
             <a:endParaRPr lang="tr-TR"/>
           </a:p>
@@ -2578,7 +2581,7 @@
           <a:p>
             <a:fld id="{49B2134D-23AA-4A81-B917-18AD91DBBB07}" type="datetimeFigureOut">
               <a:rPr lang="tr-TR" smtClean="0"/>
-              <a:t>24.10.2022</a:t>
+              <a:t>25.10.2022</a:t>
             </a:fld>
             <a:endParaRPr lang="tr-TR"/>
           </a:p>
@@ -3049,7 +3052,6 @@
               <a:rPr lang="tr-TR" dirty="0" smtClean="0"/>
               <a:t>)</a:t>
             </a:r>
-            <a:endParaRPr lang="tr-TR" dirty="0" smtClean="0"/>
           </a:p>
           <a:p>
             <a:r>
@@ -3397,7 +3399,6 @@
               <a:rPr lang="tr-TR" sz="2000" dirty="0" smtClean="0"/>
               <a:t>.</a:t>
             </a:r>
-            <a:endParaRPr lang="tr-TR" sz="2000" dirty="0" smtClean="0"/>
           </a:p>
           <a:p>
             <a:r>
@@ -3784,11 +3785,7 @@
           <a:p>
             <a:r>
               <a:rPr lang="en-US" sz="2000" dirty="0"/>
-              <a:t>The </a:t>
-            </a:r>
-            <a:r>
-              <a:rPr lang="en-US" sz="2000" dirty="0"/>
-              <a:t>main difference between </a:t>
+              <a:t>The main difference between </a:t>
             </a:r>
             <a:r>
               <a:rPr lang="tr-TR" sz="2000" dirty="0" smtClean="0"/>
@@ -3808,11 +3805,7 @@
             </a:r>
             <a:r>
               <a:rPr lang="en-US" sz="2000" dirty="0"/>
-              <a:t>is that security policies </a:t>
-            </a:r>
-            <a:r>
-              <a:rPr lang="en-US" sz="2000" dirty="0"/>
-              <a:t>are</a:t>
+              <a:t>is that security policies are</a:t>
             </a:r>
             <a:r>
               <a:rPr lang="tr-TR" sz="2000" dirty="0"/>
@@ -3820,15 +3813,7 @@
             </a:r>
             <a:r>
               <a:rPr lang="en-US" sz="2000" dirty="0"/>
-              <a:t>general</a:t>
-            </a:r>
-            <a:r>
-              <a:rPr lang="en-US" sz="2000" dirty="0"/>
-              <a:t>, while security associations are more specific. To determine what to do </a:t>
-            </a:r>
-            <a:r>
-              <a:rPr lang="en-US" sz="2000" dirty="0"/>
-              <a:t>with</a:t>
+              <a:t>general, while security associations are more specific. To determine what to do with</a:t>
             </a:r>
             <a:r>
               <a:rPr lang="tr-TR" sz="2000" dirty="0"/>
@@ -3836,15 +3821,7 @@
             </a:r>
             <a:r>
               <a:rPr lang="en-US" sz="2000" dirty="0"/>
-              <a:t>a </a:t>
-            </a:r>
-            <a:r>
-              <a:rPr lang="en-US" sz="2000" dirty="0"/>
-              <a:t>particular datagram, a device first checks the SPD. The security policies in </a:t>
-            </a:r>
-            <a:r>
-              <a:rPr lang="en-US" sz="2000" dirty="0"/>
-              <a:t>the</a:t>
+              <a:t>a particular datagram, a device first checks the SPD. The security policies in the</a:t>
             </a:r>
             <a:r>
               <a:rPr lang="tr-TR" sz="2000" dirty="0"/>
@@ -3852,11 +3829,7 @@
             </a:r>
             <a:r>
               <a:rPr lang="en-US" sz="2000" dirty="0"/>
-              <a:t>SPD </a:t>
-            </a:r>
-            <a:r>
-              <a:rPr lang="en-US" sz="2000" dirty="0"/>
-              <a:t>may reference a particular SA in the SAD.</a:t>
+              <a:t>SPD may reference a particular SA in the SAD.</a:t>
             </a:r>
             <a:endParaRPr lang="tr-TR" sz="2000" dirty="0"/>
           </a:p>
@@ -4122,11 +4095,7 @@
           <a:p>
             <a:r>
               <a:rPr lang="en-US" sz="2000" dirty="0"/>
-              <a:t>The purpose of IKE is to allow devices to exchange information that’s required </a:t>
-            </a:r>
-            <a:r>
-              <a:rPr lang="en-US" sz="2000" dirty="0"/>
-              <a:t>for</a:t>
+              <a:t>The purpose of IKE is to allow devices to exchange information that’s required for</a:t>
             </a:r>
             <a:r>
               <a:rPr lang="tr-TR" sz="2000" dirty="0"/>
@@ -4173,6 +4142,817 @@
     <p:extLst>
       <p:ext uri="{BB962C8B-B14F-4D97-AF65-F5344CB8AC3E}">
         <p14:creationId xmlns:p14="http://schemas.microsoft.com/office/powerpoint/2010/main" val="1209060441"/>
+      </p:ext>
+    </p:extLst>
+  </p:cSld>
+  <p:clrMapOvr>
+    <a:masterClrMapping/>
+  </p:clrMapOvr>
+</p:sld>
+</file>
+
+<file path=ppt/slides/slide16.xml><?xml version="1.0" encoding="utf-8"?>
+<p:sld xmlns:a="http://schemas.openxmlformats.org/drawingml/2006/main" xmlns:r="http://schemas.openxmlformats.org/officeDocument/2006/relationships" xmlns:p="http://schemas.openxmlformats.org/presentationml/2006/main">
+  <p:cSld>
+    <p:spTree>
+      <p:nvGrpSpPr>
+        <p:cNvPr id="1" name=""/>
+        <p:cNvGrpSpPr/>
+        <p:nvPr/>
+      </p:nvGrpSpPr>
+      <p:grpSpPr>
+        <a:xfrm>
+          <a:off x="0" y="0"/>
+          <a:ext cx="0" cy="0"/>
+          <a:chOff x="0" y="0"/>
+          <a:chExt cx="0" cy="0"/>
+        </a:xfrm>
+      </p:grpSpPr>
+      <p:sp>
+        <p:nvSpPr>
+          <p:cNvPr id="2" name="Unvan 1"/>
+          <p:cNvSpPr>
+            <a:spLocks noGrp="1"/>
+          </p:cNvSpPr>
+          <p:nvPr>
+            <p:ph type="title"/>
+          </p:nvPr>
+        </p:nvSpPr>
+        <p:spPr/>
+        <p:txBody>
+          <a:bodyPr/>
+          <a:lstStyle/>
+          <a:p>
+            <a:r>
+              <a:rPr lang="en-GB" dirty="0" smtClean="0"/>
+              <a:t>Short Explanations – ICV in ESP</a:t>
+            </a:r>
+            <a:endParaRPr lang="tr-TR" dirty="0"/>
+          </a:p>
+        </p:txBody>
+      </p:sp>
+      <p:sp>
+        <p:nvSpPr>
+          <p:cNvPr id="3" name="İçerik Yer Tutucusu 2"/>
+          <p:cNvSpPr>
+            <a:spLocks noGrp="1"/>
+          </p:cNvSpPr>
+          <p:nvPr>
+            <p:ph idx="1"/>
+          </p:nvPr>
+        </p:nvSpPr>
+        <p:spPr/>
+        <p:txBody>
+          <a:bodyPr>
+            <a:normAutofit/>
+          </a:bodyPr>
+          <a:lstStyle/>
+          <a:p>
+            <a:endParaRPr lang="en-US" sz="2000" dirty="0" smtClean="0"/>
+          </a:p>
+          <a:p>
+            <a:endParaRPr lang="en-US" sz="2000" dirty="0"/>
+          </a:p>
+          <a:p>
+            <a:r>
+              <a:rPr lang="en-US" sz="2000" dirty="0" smtClean="0"/>
+              <a:t>The </a:t>
+            </a:r>
+            <a:r>
+              <a:rPr lang="en-US" sz="2000" dirty="0"/>
+              <a:t>ESP </a:t>
+            </a:r>
+            <a:r>
+              <a:rPr lang="en-US" sz="2000" b="1" dirty="0"/>
+              <a:t>ICV</a:t>
+            </a:r>
+            <a:r>
+              <a:rPr lang="en-US" sz="2000" dirty="0"/>
+              <a:t>, according to </a:t>
+            </a:r>
+            <a:r>
+              <a:rPr lang="en-US" sz="2000" b="1" dirty="0"/>
+              <a:t>RFC 2406</a:t>
+            </a:r>
+            <a:r>
+              <a:rPr lang="en-US" sz="2000" dirty="0"/>
+              <a:t>, is computed on the entire ESP packet, excluding the Authentication Data field. </a:t>
+            </a:r>
+            <a:r>
+              <a:rPr lang="en-US" sz="2000" dirty="0"/>
+              <a:t>This includes the </a:t>
+            </a:r>
+            <a:r>
+              <a:rPr lang="en-US" sz="2000" b="1" dirty="0"/>
+              <a:t>SPI</a:t>
+            </a:r>
+            <a:r>
+              <a:rPr lang="en-US" sz="2000" dirty="0"/>
+              <a:t>, </a:t>
+            </a:r>
+            <a:r>
+              <a:rPr lang="en-US" sz="2000" b="1" dirty="0"/>
+              <a:t>Sequence Number</a:t>
+            </a:r>
+            <a:r>
+              <a:rPr lang="en-US" sz="2000" dirty="0"/>
+              <a:t>, </a:t>
+            </a:r>
+            <a:r>
+              <a:rPr lang="en-US" sz="2000" b="1" dirty="0"/>
+              <a:t>Payload Data</a:t>
+            </a:r>
+            <a:r>
+              <a:rPr lang="en-US" sz="2000" dirty="0"/>
+              <a:t>, </a:t>
+            </a:r>
+            <a:r>
+              <a:rPr lang="en-US" sz="2000" b="1" dirty="0"/>
+              <a:t>Padding</a:t>
+            </a:r>
+            <a:r>
+              <a:rPr lang="en-US" sz="2000" dirty="0"/>
+              <a:t> (if present), </a:t>
+            </a:r>
+            <a:r>
+              <a:rPr lang="en-US" sz="2000" b="1" dirty="0"/>
+              <a:t>Pad Length</a:t>
+            </a:r>
+            <a:r>
+              <a:rPr lang="en-US" sz="2000" dirty="0"/>
+              <a:t>, and </a:t>
+            </a:r>
+            <a:r>
+              <a:rPr lang="en-US" sz="2000" b="1" dirty="0"/>
+              <a:t>Next Header</a:t>
+            </a:r>
+            <a:r>
+              <a:rPr lang="en-US" sz="2000" dirty="0"/>
+              <a:t>; the last four fields will be in </a:t>
+            </a:r>
+            <a:r>
+              <a:rPr lang="en-US" sz="2000" dirty="0" err="1"/>
+              <a:t>ciphertext</a:t>
+            </a:r>
+            <a:r>
+              <a:rPr lang="en-US" sz="2000" dirty="0"/>
+              <a:t> form, since encryption is performed </a:t>
+            </a:r>
+            <a:r>
+              <a:rPr lang="en-US" sz="2000" dirty="0" smtClean="0"/>
+              <a:t>prior </a:t>
+            </a:r>
+            <a:r>
+              <a:rPr lang="en-US" sz="2000" dirty="0"/>
+              <a:t>to authentication</a:t>
+            </a:r>
+            <a:r>
+              <a:rPr lang="en-US" sz="2000" dirty="0" smtClean="0"/>
+              <a:t>.</a:t>
+            </a:r>
+          </a:p>
+          <a:p>
+            <a:r>
+              <a:rPr lang="en-US" sz="2000" dirty="0"/>
+              <a:t>When the packet is received, its content, excluding some fields, is hashed by the receiver and the result is compared with the ICV. </a:t>
+            </a:r>
+            <a:r>
+              <a:rPr lang="en-US" sz="2000" dirty="0"/>
+              <a:t>If they are the same, the packet is declared authentic</a:t>
+            </a:r>
+            <a:r>
+              <a:rPr lang="en-US" sz="2000" dirty="0" smtClean="0"/>
+              <a:t>.</a:t>
+            </a:r>
+          </a:p>
+          <a:p>
+            <a:r>
+              <a:rPr lang="en-US" sz="2000" dirty="0" smtClean="0"/>
+              <a:t>Hashing algorithms include </a:t>
+            </a:r>
+            <a:r>
+              <a:rPr lang="en-US" sz="2000" dirty="0"/>
+              <a:t>MD5 and SHA-1.</a:t>
+            </a:r>
+            <a:endParaRPr lang="tr-TR" sz="2000" dirty="0"/>
+          </a:p>
+        </p:txBody>
+      </p:sp>
+    </p:spTree>
+    <p:extLst>
+      <p:ext uri="{BB962C8B-B14F-4D97-AF65-F5344CB8AC3E}">
+        <p14:creationId xmlns:p14="http://schemas.microsoft.com/office/powerpoint/2010/main" val="2410712365"/>
+      </p:ext>
+    </p:extLst>
+  </p:cSld>
+  <p:clrMapOvr>
+    <a:masterClrMapping/>
+  </p:clrMapOvr>
+</p:sld>
+</file>
+
+<file path=ppt/slides/slide17.xml><?xml version="1.0" encoding="utf-8"?>
+<p:sld xmlns:a="http://schemas.openxmlformats.org/drawingml/2006/main" xmlns:r="http://schemas.openxmlformats.org/officeDocument/2006/relationships" xmlns:p="http://schemas.openxmlformats.org/presentationml/2006/main">
+  <p:cSld>
+    <p:spTree>
+      <p:nvGrpSpPr>
+        <p:cNvPr id="1" name=""/>
+        <p:cNvGrpSpPr/>
+        <p:nvPr/>
+      </p:nvGrpSpPr>
+      <p:grpSpPr>
+        <a:xfrm>
+          <a:off x="0" y="0"/>
+          <a:ext cx="0" cy="0"/>
+          <a:chOff x="0" y="0"/>
+          <a:chExt cx="0" cy="0"/>
+        </a:xfrm>
+      </p:grpSpPr>
+      <p:sp>
+        <p:nvSpPr>
+          <p:cNvPr id="2" name="Unvan 1"/>
+          <p:cNvSpPr>
+            <a:spLocks noGrp="1"/>
+          </p:cNvSpPr>
+          <p:nvPr>
+            <p:ph type="title"/>
+          </p:nvPr>
+        </p:nvSpPr>
+        <p:spPr/>
+        <p:txBody>
+          <a:bodyPr/>
+          <a:lstStyle/>
+          <a:p>
+            <a:r>
+              <a:rPr lang="en-GB" dirty="0"/>
+              <a:t>Short Explanations – </a:t>
+            </a:r>
+            <a:r>
+              <a:rPr lang="en-GB" dirty="0" smtClean="0"/>
+              <a:t>Initialization Vector(IV)</a:t>
+            </a:r>
+            <a:endParaRPr lang="tr-TR" dirty="0"/>
+          </a:p>
+        </p:txBody>
+      </p:sp>
+      <p:sp>
+        <p:nvSpPr>
+          <p:cNvPr id="3" name="İçerik Yer Tutucusu 2"/>
+          <p:cNvSpPr>
+            <a:spLocks noGrp="1"/>
+          </p:cNvSpPr>
+          <p:nvPr>
+            <p:ph idx="1"/>
+          </p:nvPr>
+        </p:nvSpPr>
+        <p:spPr/>
+        <p:txBody>
+          <a:bodyPr>
+            <a:normAutofit/>
+          </a:bodyPr>
+          <a:lstStyle/>
+          <a:p>
+            <a:r>
+              <a:rPr lang="en-US" sz="2000" dirty="0"/>
+              <a:t>An initialization vector (IV) is an arbitrary number that can be used with a secret key for data encryption to foil cyber </a:t>
+            </a:r>
+            <a:r>
+              <a:rPr lang="en-US" sz="2000" dirty="0"/>
+              <a:t>attacks.</a:t>
+            </a:r>
+          </a:p>
+          <a:p>
+            <a:r>
+              <a:rPr lang="en-US" sz="2000" dirty="0"/>
+              <a:t>This number, also called a </a:t>
+            </a:r>
+            <a:r>
+              <a:rPr lang="en-US" sz="2000" dirty="0">
+                <a:hlinkClick r:id="rId2"/>
+              </a:rPr>
+              <a:t>nonce</a:t>
+            </a:r>
+            <a:r>
+              <a:rPr lang="en-US" sz="2000" dirty="0"/>
+              <a:t> (number used once), is employed only one time in any session to prevent unauthorized decryption of the message by a suspicious or malicious actor</a:t>
+            </a:r>
+            <a:r>
+              <a:rPr lang="en-US" sz="2000" dirty="0" smtClean="0"/>
+              <a:t>.</a:t>
+            </a:r>
+          </a:p>
+          <a:p>
+            <a:endParaRPr lang="tr-TR" sz="2000" dirty="0"/>
+          </a:p>
+        </p:txBody>
+      </p:sp>
+      <p:sp>
+        <p:nvSpPr>
+          <p:cNvPr id="6" name="Metin kutusu 5"/>
+          <p:cNvSpPr txBox="1"/>
+          <p:nvPr/>
+        </p:nvSpPr>
+        <p:spPr>
+          <a:xfrm>
+            <a:off x="2055222" y="4186348"/>
+            <a:ext cx="1689463" cy="369332"/>
+          </a:xfrm>
+          <a:prstGeom prst="rect">
+            <a:avLst/>
+          </a:prstGeom>
+          <a:solidFill>
+            <a:srgbClr val="92D050"/>
+          </a:solidFill>
+        </p:spPr>
+        <p:txBody>
+          <a:bodyPr wrap="square" rtlCol="0">
+            <a:spAutoFit/>
+          </a:bodyPr>
+          <a:lstStyle/>
+          <a:p>
+            <a:r>
+              <a:rPr lang="en-GB" dirty="0" smtClean="0"/>
+              <a:t>Secret Key</a:t>
+            </a:r>
+            <a:endParaRPr lang="tr-TR" dirty="0"/>
+          </a:p>
+        </p:txBody>
+      </p:sp>
+      <p:sp>
+        <p:nvSpPr>
+          <p:cNvPr id="7" name="Metin kutusu 6"/>
+          <p:cNvSpPr txBox="1"/>
+          <p:nvPr/>
+        </p:nvSpPr>
+        <p:spPr>
+          <a:xfrm>
+            <a:off x="2055221" y="4867672"/>
+            <a:ext cx="1689463" cy="646331"/>
+          </a:xfrm>
+          <a:prstGeom prst="rect">
+            <a:avLst/>
+          </a:prstGeom>
+          <a:solidFill>
+            <a:srgbClr val="92D050"/>
+          </a:solidFill>
+        </p:spPr>
+        <p:txBody>
+          <a:bodyPr wrap="square" rtlCol="0">
+            <a:spAutoFit/>
+          </a:bodyPr>
+          <a:lstStyle/>
+          <a:p>
+            <a:r>
+              <a:rPr lang="en-GB" dirty="0" smtClean="0"/>
+              <a:t>Initialization Vector(IV)</a:t>
+            </a:r>
+            <a:endParaRPr lang="tr-TR" dirty="0"/>
+          </a:p>
+        </p:txBody>
+      </p:sp>
+      <p:sp>
+        <p:nvSpPr>
+          <p:cNvPr id="8" name="Metin kutusu 7"/>
+          <p:cNvSpPr txBox="1"/>
+          <p:nvPr/>
+        </p:nvSpPr>
+        <p:spPr>
+          <a:xfrm>
+            <a:off x="4961707" y="4548069"/>
+            <a:ext cx="1663337" cy="369332"/>
+          </a:xfrm>
+          <a:prstGeom prst="rect">
+            <a:avLst/>
+          </a:prstGeom>
+          <a:solidFill>
+            <a:schemeClr val="accent2"/>
+          </a:solidFill>
+        </p:spPr>
+        <p:txBody>
+          <a:bodyPr wrap="square" rtlCol="0">
+            <a:spAutoFit/>
+          </a:bodyPr>
+          <a:lstStyle/>
+          <a:p>
+            <a:pPr algn="ctr"/>
+            <a:r>
+              <a:rPr lang="en-GB" dirty="0" smtClean="0"/>
+              <a:t>AES</a:t>
+            </a:r>
+            <a:endParaRPr lang="tr-TR" dirty="0"/>
+          </a:p>
+        </p:txBody>
+      </p:sp>
+      <p:cxnSp>
+        <p:nvCxnSpPr>
+          <p:cNvPr id="10" name="Dirsek Bağlayıcısı 9"/>
+          <p:cNvCxnSpPr>
+            <a:stCxn id="6" idx="3"/>
+            <a:endCxn id="8" idx="1"/>
+          </p:cNvCxnSpPr>
+          <p:nvPr/>
+        </p:nvCxnSpPr>
+        <p:spPr>
+          <a:xfrm>
+            <a:off x="3744685" y="4371014"/>
+            <a:ext cx="1217022" cy="361721"/>
+          </a:xfrm>
+          <a:prstGeom prst="bentConnector3">
+            <a:avLst/>
+          </a:prstGeom>
+          <a:ln>
+            <a:tailEnd type="triangle"/>
+          </a:ln>
+        </p:spPr>
+        <p:style>
+          <a:lnRef idx="1">
+            <a:schemeClr val="accent1"/>
+          </a:lnRef>
+          <a:fillRef idx="0">
+            <a:schemeClr val="accent1"/>
+          </a:fillRef>
+          <a:effectRef idx="0">
+            <a:schemeClr val="accent1"/>
+          </a:effectRef>
+          <a:fontRef idx="minor">
+            <a:schemeClr val="tx1"/>
+          </a:fontRef>
+        </p:style>
+      </p:cxnSp>
+      <p:cxnSp>
+        <p:nvCxnSpPr>
+          <p:cNvPr id="12" name="Dirsek Bağlayıcısı 11"/>
+          <p:cNvCxnSpPr>
+            <a:stCxn id="7" idx="3"/>
+            <a:endCxn id="8" idx="1"/>
+          </p:cNvCxnSpPr>
+          <p:nvPr/>
+        </p:nvCxnSpPr>
+        <p:spPr>
+          <a:xfrm flipV="1">
+            <a:off x="3744684" y="4732735"/>
+            <a:ext cx="1217023" cy="458103"/>
+          </a:xfrm>
+          <a:prstGeom prst="bentConnector3">
+            <a:avLst/>
+          </a:prstGeom>
+          <a:ln>
+            <a:tailEnd type="triangle"/>
+          </a:ln>
+        </p:spPr>
+        <p:style>
+          <a:lnRef idx="1">
+            <a:schemeClr val="accent1"/>
+          </a:lnRef>
+          <a:fillRef idx="0">
+            <a:schemeClr val="accent1"/>
+          </a:fillRef>
+          <a:effectRef idx="0">
+            <a:schemeClr val="accent1"/>
+          </a:effectRef>
+          <a:fontRef idx="minor">
+            <a:schemeClr val="tx1"/>
+          </a:fontRef>
+        </p:style>
+      </p:cxnSp>
+      <p:sp>
+        <p:nvSpPr>
+          <p:cNvPr id="13" name="Metin kutusu 12"/>
+          <p:cNvSpPr txBox="1"/>
+          <p:nvPr/>
+        </p:nvSpPr>
+        <p:spPr>
+          <a:xfrm>
+            <a:off x="4961706" y="3616330"/>
+            <a:ext cx="1663337" cy="369332"/>
+          </a:xfrm>
+          <a:prstGeom prst="rect">
+            <a:avLst/>
+          </a:prstGeom>
+          <a:solidFill>
+            <a:schemeClr val="accent4"/>
+          </a:solidFill>
+        </p:spPr>
+        <p:txBody>
+          <a:bodyPr wrap="square" rtlCol="0">
+            <a:spAutoFit/>
+          </a:bodyPr>
+          <a:lstStyle/>
+          <a:p>
+            <a:pPr algn="ctr"/>
+            <a:r>
+              <a:rPr lang="en-GB" dirty="0" smtClean="0"/>
+              <a:t>Plain Text</a:t>
+            </a:r>
+            <a:endParaRPr lang="tr-TR" dirty="0"/>
+          </a:p>
+        </p:txBody>
+      </p:sp>
+      <p:cxnSp>
+        <p:nvCxnSpPr>
+          <p:cNvPr id="19" name="Dirsek Bağlayıcısı 18"/>
+          <p:cNvCxnSpPr>
+            <a:stCxn id="13" idx="2"/>
+            <a:endCxn id="8" idx="0"/>
+          </p:cNvCxnSpPr>
+          <p:nvPr/>
+        </p:nvCxnSpPr>
+        <p:spPr>
+          <a:xfrm rot="16200000" flipH="1">
+            <a:off x="5512172" y="4266864"/>
+            <a:ext cx="562407" cy="1"/>
+          </a:xfrm>
+          <a:prstGeom prst="bentConnector3">
+            <a:avLst/>
+          </a:prstGeom>
+          <a:ln>
+            <a:tailEnd type="triangle"/>
+          </a:ln>
+        </p:spPr>
+        <p:style>
+          <a:lnRef idx="1">
+            <a:schemeClr val="accent1"/>
+          </a:lnRef>
+          <a:fillRef idx="0">
+            <a:schemeClr val="accent1"/>
+          </a:fillRef>
+          <a:effectRef idx="0">
+            <a:schemeClr val="accent1"/>
+          </a:effectRef>
+          <a:fontRef idx="minor">
+            <a:schemeClr val="tx1"/>
+          </a:fontRef>
+        </p:style>
+      </p:cxnSp>
+      <p:sp>
+        <p:nvSpPr>
+          <p:cNvPr id="25" name="Dikdörtgen 24"/>
+          <p:cNvSpPr/>
+          <p:nvPr/>
+        </p:nvSpPr>
+        <p:spPr>
+          <a:xfrm>
+            <a:off x="1934222" y="3430803"/>
+            <a:ext cx="4837947" cy="2746160"/>
+          </a:xfrm>
+          <a:prstGeom prst="rect">
+            <a:avLst/>
+          </a:prstGeom>
+          <a:noFill/>
+          <a:ln w="38100">
+            <a:solidFill>
+              <a:srgbClr val="FF0000"/>
+            </a:solidFill>
+          </a:ln>
+        </p:spPr>
+        <p:style>
+          <a:lnRef idx="2">
+            <a:schemeClr val="accent1">
+              <a:shade val="50000"/>
+            </a:schemeClr>
+          </a:lnRef>
+          <a:fillRef idx="1">
+            <a:schemeClr val="accent1"/>
+          </a:fillRef>
+          <a:effectRef idx="0">
+            <a:schemeClr val="accent1"/>
+          </a:effectRef>
+          <a:fontRef idx="minor">
+            <a:schemeClr val="lt1"/>
+          </a:fontRef>
+        </p:style>
+        <p:txBody>
+          <a:bodyPr rtlCol="0" anchor="ctr"/>
+          <a:lstStyle/>
+          <a:p>
+            <a:pPr algn="ctr"/>
+            <a:endParaRPr lang="tr-TR"/>
+          </a:p>
+        </p:txBody>
+      </p:sp>
+      <p:cxnSp>
+        <p:nvCxnSpPr>
+          <p:cNvPr id="28" name="Dirsek Bağlayıcısı 27"/>
+          <p:cNvCxnSpPr>
+            <a:stCxn id="8" idx="2"/>
+            <a:endCxn id="29" idx="1"/>
+          </p:cNvCxnSpPr>
+          <p:nvPr/>
+        </p:nvCxnSpPr>
+        <p:spPr>
+          <a:xfrm rot="16200000" flipH="1">
+            <a:off x="7317336" y="3393441"/>
+            <a:ext cx="218088" cy="3266008"/>
+          </a:xfrm>
+          <a:prstGeom prst="bentConnector2">
+            <a:avLst/>
+          </a:prstGeom>
+          <a:ln>
+            <a:tailEnd type="triangle"/>
+          </a:ln>
+        </p:spPr>
+        <p:style>
+          <a:lnRef idx="1">
+            <a:schemeClr val="accent1"/>
+          </a:lnRef>
+          <a:fillRef idx="0">
+            <a:schemeClr val="accent1"/>
+          </a:fillRef>
+          <a:effectRef idx="0">
+            <a:schemeClr val="accent1"/>
+          </a:effectRef>
+          <a:fontRef idx="minor">
+            <a:schemeClr val="tx1"/>
+          </a:fontRef>
+        </p:style>
+      </p:cxnSp>
+      <p:sp>
+        <p:nvSpPr>
+          <p:cNvPr id="29" name="Metin kutusu 28"/>
+          <p:cNvSpPr txBox="1"/>
+          <p:nvPr/>
+        </p:nvSpPr>
+        <p:spPr>
+          <a:xfrm>
+            <a:off x="9059384" y="4950823"/>
+            <a:ext cx="1521111" cy="369332"/>
+          </a:xfrm>
+          <a:prstGeom prst="rect">
+            <a:avLst/>
+          </a:prstGeom>
+          <a:solidFill>
+            <a:srgbClr val="FF0000"/>
+          </a:solidFill>
+          <a:ln>
+            <a:solidFill>
+              <a:srgbClr val="FF0000"/>
+            </a:solidFill>
+          </a:ln>
+        </p:spPr>
+        <p:txBody>
+          <a:bodyPr wrap="square" rtlCol="0">
+            <a:spAutoFit/>
+          </a:bodyPr>
+          <a:lstStyle/>
+          <a:p>
+            <a:r>
+              <a:rPr lang="en-GB" dirty="0" smtClean="0"/>
+              <a:t>Cipher Text</a:t>
+            </a:r>
+            <a:endParaRPr lang="tr-TR" dirty="0"/>
+          </a:p>
+        </p:txBody>
+      </p:sp>
+    </p:spTree>
+    <p:extLst>
+      <p:ext uri="{BB962C8B-B14F-4D97-AF65-F5344CB8AC3E}">
+        <p14:creationId xmlns:p14="http://schemas.microsoft.com/office/powerpoint/2010/main" val="4036649222"/>
+      </p:ext>
+    </p:extLst>
+  </p:cSld>
+  <p:clrMapOvr>
+    <a:masterClrMapping/>
+  </p:clrMapOvr>
+</p:sld>
+</file>
+
+<file path=ppt/slides/slide18.xml><?xml version="1.0" encoding="utf-8"?>
+<p:sld xmlns:a="http://schemas.openxmlformats.org/drawingml/2006/main" xmlns:r="http://schemas.openxmlformats.org/officeDocument/2006/relationships" xmlns:p="http://schemas.openxmlformats.org/presentationml/2006/main">
+  <p:cSld>
+    <p:spTree>
+      <p:nvGrpSpPr>
+        <p:cNvPr id="1" name=""/>
+        <p:cNvGrpSpPr/>
+        <p:nvPr/>
+      </p:nvGrpSpPr>
+      <p:grpSpPr>
+        <a:xfrm>
+          <a:off x="0" y="0"/>
+          <a:ext cx="0" cy="0"/>
+          <a:chOff x="0" y="0"/>
+          <a:chExt cx="0" cy="0"/>
+        </a:xfrm>
+      </p:grpSpPr>
+      <p:sp>
+        <p:nvSpPr>
+          <p:cNvPr id="2" name="Unvan 1"/>
+          <p:cNvSpPr>
+            <a:spLocks noGrp="1"/>
+          </p:cNvSpPr>
+          <p:nvPr>
+            <p:ph type="title"/>
+          </p:nvPr>
+        </p:nvSpPr>
+        <p:spPr/>
+        <p:txBody>
+          <a:bodyPr/>
+          <a:lstStyle/>
+          <a:p>
+            <a:r>
+              <a:rPr lang="en-GB" dirty="0"/>
+              <a:t>Initialization Vector(IV)</a:t>
+            </a:r>
+            <a:endParaRPr lang="tr-TR" dirty="0"/>
+          </a:p>
+        </p:txBody>
+      </p:sp>
+      <p:sp>
+        <p:nvSpPr>
+          <p:cNvPr id="3" name="İçerik Yer Tutucusu 2"/>
+          <p:cNvSpPr>
+            <a:spLocks noGrp="1"/>
+          </p:cNvSpPr>
+          <p:nvPr>
+            <p:ph idx="1"/>
+          </p:nvPr>
+        </p:nvSpPr>
+        <p:spPr/>
+        <p:txBody>
+          <a:bodyPr>
+            <a:normAutofit/>
+          </a:bodyPr>
+          <a:lstStyle/>
+          <a:p>
+            <a:endParaRPr lang="en-US" sz="2000" dirty="0" smtClean="0"/>
+          </a:p>
+          <a:p>
+            <a:endParaRPr lang="en-US" sz="2000" dirty="0"/>
+          </a:p>
+          <a:p>
+            <a:r>
+              <a:rPr lang="en-US" sz="2000" dirty="0" smtClean="0"/>
+              <a:t>The </a:t>
+            </a:r>
+            <a:r>
+              <a:rPr lang="en-US" sz="2000" dirty="0"/>
+              <a:t>use of an IV prevents the repetition of a sequence of text in data encryption</a:t>
+            </a:r>
+            <a:r>
+              <a:rPr lang="en-US" sz="2000" dirty="0"/>
+              <a:t>.</a:t>
+            </a:r>
+          </a:p>
+          <a:p>
+            <a:r>
+              <a:rPr lang="en-US" sz="2000" dirty="0"/>
+              <a:t>Specifically, during encryption, an IV prevents a sequence of plaintext that's identical to a previous plaintext sequence from producing the same </a:t>
+            </a:r>
+            <a:r>
+              <a:rPr lang="en-US" sz="2000" dirty="0" err="1"/>
+              <a:t>ciphertext</a:t>
+            </a:r>
+            <a:r>
+              <a:rPr lang="en-US" sz="2000" dirty="0" smtClean="0"/>
+              <a:t>.</a:t>
+            </a:r>
+          </a:p>
+          <a:p>
+            <a:r>
+              <a:rPr lang="en-US" sz="2000" dirty="0"/>
+              <a:t>If an attacker can view the same encrypted data multiple times, they get clues to decrypt and interpret the original values</a:t>
+            </a:r>
+            <a:r>
+              <a:rPr lang="en-US" sz="2000" dirty="0" smtClean="0"/>
+              <a:t>.</a:t>
+            </a:r>
+          </a:p>
+          <a:p>
+            <a:r>
+              <a:rPr lang="en-US" sz="2000" dirty="0"/>
+              <a:t>IV and </a:t>
+            </a:r>
+            <a:r>
+              <a:rPr lang="en-US" sz="2000" b="1" dirty="0"/>
+              <a:t>nonce</a:t>
+            </a:r>
+            <a:r>
+              <a:rPr lang="en-US" sz="2000" dirty="0"/>
+              <a:t> are often used interchangeably. Essentially though, an IV is a nonce with an additional requirement: </a:t>
+            </a:r>
+            <a:r>
+              <a:rPr lang="en-US" sz="2000" i="1" dirty="0"/>
+              <a:t>it must be selected in a non-predictable way</a:t>
+            </a:r>
+            <a:r>
+              <a:rPr lang="en-US" sz="2000" dirty="0"/>
+              <a:t>. This would eliminate all sequential </a:t>
+            </a:r>
+            <a:r>
+              <a:rPr lang="en-US" sz="2000" dirty="0" err="1"/>
+              <a:t>nonces</a:t>
+            </a:r>
+            <a:r>
+              <a:rPr lang="en-US" sz="2000" dirty="0"/>
+              <a:t>, an IV must be random.</a:t>
+            </a:r>
+            <a:endParaRPr lang="tr-TR" sz="2000" dirty="0"/>
+          </a:p>
+        </p:txBody>
+      </p:sp>
+    </p:spTree>
+    <p:extLst>
+      <p:ext uri="{BB962C8B-B14F-4D97-AF65-F5344CB8AC3E}">
+        <p14:creationId xmlns:p14="http://schemas.microsoft.com/office/powerpoint/2010/main" val="363853932"/>
       </p:ext>
     </p:extLst>
   </p:cSld>
@@ -5196,11 +5976,7 @@
             </a:r>
             <a:r>
               <a:rPr lang="en-US" sz="2000" dirty="0"/>
-              <a:t>We want to not </a:t>
-            </a:r>
-            <a:r>
-              <a:rPr lang="en-US" sz="2000" dirty="0"/>
-              <a:t>only</a:t>
+              <a:t>We want to not only</a:t>
             </a:r>
             <a:r>
               <a:rPr lang="tr-TR" sz="2000" dirty="0"/>
@@ -5208,15 +5984,7 @@
             </a:r>
             <a:r>
               <a:rPr lang="en-US" sz="2000" dirty="0"/>
-              <a:t>protect </a:t>
-            </a:r>
-            <a:r>
-              <a:rPr lang="en-US" sz="2000" dirty="0"/>
-              <a:t>against intermediate devices changing the datagrams, but also to </a:t>
-            </a:r>
-            <a:r>
-              <a:rPr lang="en-US" sz="2000" dirty="0"/>
-              <a:t>protect</a:t>
+              <a:t>protect against intermediate devices changing the datagrams, but also to protect</a:t>
             </a:r>
             <a:r>
               <a:rPr lang="tr-TR" sz="2000" dirty="0"/>
@@ -5224,15 +5992,7 @@
             </a:r>
             <a:r>
               <a:rPr lang="en-US" sz="2000" dirty="0"/>
-              <a:t>against </a:t>
-            </a:r>
-            <a:r>
-              <a:rPr lang="en-US" sz="2000" dirty="0"/>
-              <a:t>them examining their contents as well. For this level of private </a:t>
-            </a:r>
-            <a:r>
-              <a:rPr lang="en-US" sz="2000" dirty="0"/>
-              <a:t>communication,</a:t>
+              <a:t>against them examining their contents as well. For this level of private communication,</a:t>
             </a:r>
             <a:r>
               <a:rPr lang="tr-TR" sz="2000" dirty="0"/>
@@ -5240,11 +6000,7 @@
             </a:r>
             <a:r>
               <a:rPr lang="en-US" sz="2000" dirty="0"/>
-              <a:t>AH </a:t>
-            </a:r>
-            <a:r>
-              <a:rPr lang="en-US" sz="2000" dirty="0"/>
-              <a:t>is not enough; we need to use the ESP protocol</a:t>
+              <a:t>AH is not enough; we need to use the ESP protocol</a:t>
             </a:r>
             <a:r>
               <a:rPr lang="en-US" sz="2000" dirty="0" smtClean="0"/>
@@ -5424,11 +6180,7 @@
             </a:r>
             <a:r>
               <a:rPr lang="en-US" sz="2100" dirty="0"/>
-              <a:t>This field contains an ICV that’s computed in a </a:t>
-            </a:r>
-            <a:r>
-              <a:rPr lang="en-US" sz="2100" dirty="0"/>
-              <a:t>manner</a:t>
+              <a:t>This field contains an ICV that’s computed in a manner</a:t>
             </a:r>
             <a:r>
               <a:rPr lang="tr-TR" sz="2100" dirty="0"/>
@@ -5436,15 +6188,7 @@
             </a:r>
             <a:r>
               <a:rPr lang="en-US" sz="2100" dirty="0"/>
-              <a:t>that’s </a:t>
-            </a:r>
-            <a:r>
-              <a:rPr lang="en-US" sz="2100" dirty="0"/>
-              <a:t>similar to how the AH protocol works. The field is used when ESP’s </a:t>
-            </a:r>
-            <a:r>
-              <a:rPr lang="en-US" sz="2100" dirty="0"/>
-              <a:t>optional</a:t>
+              <a:t>that’s similar to how the AH protocol works. The field is used when ESP’s optional</a:t>
             </a:r>
             <a:r>
               <a:rPr lang="tr-TR" sz="2100" dirty="0"/>
@@ -5474,7 +6218,6 @@
               <a:rPr lang="tr-TR" sz="2100" dirty="0"/>
               <a:t>.</a:t>
             </a:r>
-            <a:endParaRPr lang="tr-TR" sz="2100" dirty="0"/>
           </a:p>
         </p:txBody>
       </p:sp>

--- a/Network/IPSEC.pptx
+++ b/Network/IPSEC.pptx
@@ -260,7 +260,7 @@
           <a:p>
             <a:fld id="{49B2134D-23AA-4A81-B917-18AD91DBBB07}" type="datetimeFigureOut">
               <a:rPr lang="tr-TR" smtClean="0"/>
-              <a:t>25.10.2022</a:t>
+              <a:t>15.11.2022</a:t>
             </a:fld>
             <a:endParaRPr lang="tr-TR"/>
           </a:p>
@@ -430,7 +430,7 @@
           <a:p>
             <a:fld id="{49B2134D-23AA-4A81-B917-18AD91DBBB07}" type="datetimeFigureOut">
               <a:rPr lang="tr-TR" smtClean="0"/>
-              <a:t>25.10.2022</a:t>
+              <a:t>15.11.2022</a:t>
             </a:fld>
             <a:endParaRPr lang="tr-TR"/>
           </a:p>
@@ -610,7 +610,7 @@
           <a:p>
             <a:fld id="{49B2134D-23AA-4A81-B917-18AD91DBBB07}" type="datetimeFigureOut">
               <a:rPr lang="tr-TR" smtClean="0"/>
-              <a:t>25.10.2022</a:t>
+              <a:t>15.11.2022</a:t>
             </a:fld>
             <a:endParaRPr lang="tr-TR"/>
           </a:p>
@@ -780,7 +780,7 @@
           <a:p>
             <a:fld id="{49B2134D-23AA-4A81-B917-18AD91DBBB07}" type="datetimeFigureOut">
               <a:rPr lang="tr-TR" smtClean="0"/>
-              <a:t>25.10.2022</a:t>
+              <a:t>15.11.2022</a:t>
             </a:fld>
             <a:endParaRPr lang="tr-TR"/>
           </a:p>
@@ -1026,7 +1026,7 @@
           <a:p>
             <a:fld id="{49B2134D-23AA-4A81-B917-18AD91DBBB07}" type="datetimeFigureOut">
               <a:rPr lang="tr-TR" smtClean="0"/>
-              <a:t>25.10.2022</a:t>
+              <a:t>15.11.2022</a:t>
             </a:fld>
             <a:endParaRPr lang="tr-TR"/>
           </a:p>
@@ -1258,7 +1258,7 @@
           <a:p>
             <a:fld id="{49B2134D-23AA-4A81-B917-18AD91DBBB07}" type="datetimeFigureOut">
               <a:rPr lang="tr-TR" smtClean="0"/>
-              <a:t>25.10.2022</a:t>
+              <a:t>15.11.2022</a:t>
             </a:fld>
             <a:endParaRPr lang="tr-TR"/>
           </a:p>
@@ -1625,7 +1625,7 @@
           <a:p>
             <a:fld id="{49B2134D-23AA-4A81-B917-18AD91DBBB07}" type="datetimeFigureOut">
               <a:rPr lang="tr-TR" smtClean="0"/>
-              <a:t>25.10.2022</a:t>
+              <a:t>15.11.2022</a:t>
             </a:fld>
             <a:endParaRPr lang="tr-TR"/>
           </a:p>
@@ -1743,7 +1743,7 @@
           <a:p>
             <a:fld id="{49B2134D-23AA-4A81-B917-18AD91DBBB07}" type="datetimeFigureOut">
               <a:rPr lang="tr-TR" smtClean="0"/>
-              <a:t>25.10.2022</a:t>
+              <a:t>15.11.2022</a:t>
             </a:fld>
             <a:endParaRPr lang="tr-TR"/>
           </a:p>
@@ -1838,7 +1838,7 @@
           <a:p>
             <a:fld id="{49B2134D-23AA-4A81-B917-18AD91DBBB07}" type="datetimeFigureOut">
               <a:rPr lang="tr-TR" smtClean="0"/>
-              <a:t>25.10.2022</a:t>
+              <a:t>15.11.2022</a:t>
             </a:fld>
             <a:endParaRPr lang="tr-TR"/>
           </a:p>
@@ -2115,7 +2115,7 @@
           <a:p>
             <a:fld id="{49B2134D-23AA-4A81-B917-18AD91DBBB07}" type="datetimeFigureOut">
               <a:rPr lang="tr-TR" smtClean="0"/>
-              <a:t>25.10.2022</a:t>
+              <a:t>15.11.2022</a:t>
             </a:fld>
             <a:endParaRPr lang="tr-TR"/>
           </a:p>
@@ -2368,7 +2368,7 @@
           <a:p>
             <a:fld id="{49B2134D-23AA-4A81-B917-18AD91DBBB07}" type="datetimeFigureOut">
               <a:rPr lang="tr-TR" smtClean="0"/>
-              <a:t>25.10.2022</a:t>
+              <a:t>15.11.2022</a:t>
             </a:fld>
             <a:endParaRPr lang="tr-TR"/>
           </a:p>
@@ -2581,7 +2581,7 @@
           <a:p>
             <a:fld id="{49B2134D-23AA-4A81-B917-18AD91DBBB07}" type="datetimeFigureOut">
               <a:rPr lang="tr-TR" smtClean="0"/>
-              <a:t>25.10.2022</a:t>
+              <a:t>15.11.2022</a:t>
             </a:fld>
             <a:endParaRPr lang="tr-TR"/>
           </a:p>
@@ -4236,11 +4236,7 @@
             </a:r>
             <a:r>
               <a:rPr lang="en-US" sz="2000" dirty="0"/>
-              <a:t>, is computed on the entire ESP packet, excluding the Authentication Data field. </a:t>
-            </a:r>
-            <a:r>
-              <a:rPr lang="en-US" sz="2000" dirty="0"/>
-              <a:t>This includes the </a:t>
+              <a:t>, is computed on the entire ESP packet, excluding the Authentication Data field. This includes the </a:t>
             </a:r>
             <a:r>
               <a:rPr lang="en-US" sz="2000" b="1" dirty="0"/>
@@ -4314,11 +4310,7 @@
           <a:p>
             <a:r>
               <a:rPr lang="en-US" sz="2000" dirty="0"/>
-              <a:t>When the packet is received, its content, excluding some fields, is hashed by the receiver and the result is compared with the ICV. </a:t>
-            </a:r>
-            <a:r>
-              <a:rPr lang="en-US" sz="2000" dirty="0"/>
-              <a:t>If they are the same, the packet is declared authentic</a:t>
+              <a:t>When the packet is received, its content, excluding some fields, is hashed by the receiver and the result is compared with the ICV. If they are the same, the packet is declared authentic</a:t>
             </a:r>
             <a:r>
               <a:rPr lang="en-US" sz="2000" dirty="0" smtClean="0"/>
@@ -4414,11 +4406,7 @@
           <a:p>
             <a:r>
               <a:rPr lang="en-US" sz="2000" dirty="0"/>
-              <a:t>An initialization vector (IV) is an arbitrary number that can be used with a secret key for data encryption to foil cyber </a:t>
-            </a:r>
-            <a:r>
-              <a:rPr lang="en-US" sz="2000" dirty="0"/>
-              <a:t>attacks.</a:t>
+              <a:t>An initialization vector (IV) is an arbitrary number that can be used with a secret key for data encryption to foil cyber attacks.</a:t>
             </a:r>
           </a:p>
           <a:p>
@@ -4885,11 +4873,7 @@
             </a:r>
             <a:r>
               <a:rPr lang="en-US" sz="2000" dirty="0"/>
-              <a:t>use of an IV prevents the repetition of a sequence of text in data encryption</a:t>
-            </a:r>
-            <a:r>
-              <a:rPr lang="en-US" sz="2000" dirty="0"/>
-              <a:t>.</a:t>
+              <a:t>use of an IV prevents the repetition of a sequence of text in data encryption.</a:t>
             </a:r>
           </a:p>
           <a:p>
